--- a/Day 17/Slides/4. Application Structure/structuring-the-application-slides.pptx
+++ b/Day 17/Slides/4. Application Structure/structuring-the-application-slides.pptx
@@ -3172,7 +3172,7 @@
         <p:spPr>
           <a:xfrm>
             <a:off x="7272219" y="2227381"/>
-            <a:ext cx="3982085" cy="2853055"/>
+            <a:ext cx="3982085" cy="1949450"/>
           </a:xfrm>
           <a:prstGeom prst="rect">
             <a:avLst/>
@@ -3207,6 +3207,16 @@
               </a:spcBef>
             </a:pPr>
             <a:r>
+              <a:rPr lang="en-US" sz="2000" spc="-15" dirty="0">
+                <a:solidFill>
+                  <a:srgbClr val="9BC850"/>
+                </a:solidFill>
+                <a:latin typeface="Verdana" panose="020B0604030504040204"/>
+                <a:cs typeface="Verdana" panose="020B0604030504040204"/>
+              </a:rPr>
+              <a:t>i</a:t>
+            </a:r>
+            <a:r>
               <a:rPr sz="2000" spc="-15" dirty="0">
                 <a:solidFill>
                   <a:srgbClr val="9BC850"/>
@@ -3214,7 +3224,7 @@
                 <a:latin typeface="Verdana" panose="020B0604030504040204"/>
                 <a:cs typeface="Verdana" panose="020B0604030504040204"/>
               </a:rPr>
-              <a:t>Import</a:t>
+              <a:t>mport</a:t>
             </a:r>
             <a:r>
               <a:rPr sz="2000" spc="-140" dirty="0">
